--- a/IDPA/Gunfight at the Melkotian Corral.pptx
+++ b/IDPA/Gunfight at the Melkotian Corral.pptx
@@ -335,7 +335,7 @@
               <a:pPr>
                 <a:defRPr/>
               </a:pPr>
-              <a:t>10/29/19</a:t>
+              <a:t>01.11.2019</a:t>
             </a:fld>
             <a:endParaRPr lang="en-US"/>
           </a:p>
@@ -6837,108 +6837,6 @@
       </p:sp>
       <p:sp>
         <p:nvSpPr>
-          <p:cNvPr id="60" name="Freeform 301">
-            <a:extLst>
-              <a:ext uri="{FF2B5EF4-FFF2-40B4-BE49-F238E27FC236}">
-                <a16:creationId xmlns:a16="http://schemas.microsoft.com/office/drawing/2014/main" id="{DAC62AED-E678-F649-AA86-C87D92FFE6C1}"/>
-              </a:ext>
-            </a:extLst>
-          </p:cNvPr>
-          <p:cNvSpPr>
-            <a:spLocks/>
-          </p:cNvSpPr>
-          <p:nvPr/>
-        </p:nvSpPr>
-        <p:spPr bwMode="auto">
-          <a:xfrm>
-            <a:off x="3576077" y="7107155"/>
-            <a:ext cx="560643" cy="1386485"/>
-          </a:xfrm>
-          <a:custGeom>
-            <a:avLst/>
-            <a:gdLst>
-              <a:gd name="T0" fmla="*/ 0 w 240"/>
-              <a:gd name="T1" fmla="*/ 231401 h 840"/>
-              <a:gd name="T2" fmla="*/ 75637390 w 240"/>
-              <a:gd name="T3" fmla="*/ 404798 h 840"/>
-              <a:gd name="T4" fmla="*/ 75637390 w 240"/>
-              <a:gd name="T5" fmla="*/ 57599 h 840"/>
-              <a:gd name="T6" fmla="*/ 0 w 240"/>
-              <a:gd name="T7" fmla="*/ 0 h 840"/>
-              <a:gd name="T8" fmla="*/ 0 w 240"/>
-              <a:gd name="T9" fmla="*/ 231401 h 840"/>
-              <a:gd name="T10" fmla="*/ 0 60000 65536"/>
-              <a:gd name="T11" fmla="*/ 0 60000 65536"/>
-              <a:gd name="T12" fmla="*/ 0 60000 65536"/>
-              <a:gd name="T13" fmla="*/ 0 60000 65536"/>
-              <a:gd name="T14" fmla="*/ 0 60000 65536"/>
-              <a:gd name="T15" fmla="*/ 0 w 240"/>
-              <a:gd name="T16" fmla="*/ 0 h 840"/>
-              <a:gd name="T17" fmla="*/ 240 w 240"/>
-              <a:gd name="T18" fmla="*/ 840 h 840"/>
-            </a:gdLst>
-            <a:ahLst/>
-            <a:cxnLst>
-              <a:cxn ang="T10">
-                <a:pos x="T0" y="T1"/>
-              </a:cxn>
-              <a:cxn ang="T11">
-                <a:pos x="T2" y="T3"/>
-              </a:cxn>
-              <a:cxn ang="T12">
-                <a:pos x="T4" y="T5"/>
-              </a:cxn>
-              <a:cxn ang="T13">
-                <a:pos x="T6" y="T7"/>
-              </a:cxn>
-              <a:cxn ang="T14">
-                <a:pos x="T8" y="T9"/>
-              </a:cxn>
-            </a:cxnLst>
-            <a:rect l="T15" t="T16" r="T17" b="T18"/>
-            <a:pathLst>
-              <a:path w="240" h="840">
-                <a:moveTo>
-                  <a:pt x="0" y="480"/>
-                </a:moveTo>
-                <a:lnTo>
-                  <a:pt x="240" y="840"/>
-                </a:lnTo>
-                <a:lnTo>
-                  <a:pt x="240" y="120"/>
-                </a:lnTo>
-                <a:lnTo>
-                  <a:pt x="0" y="0"/>
-                </a:lnTo>
-                <a:lnTo>
-                  <a:pt x="0" y="480"/>
-                </a:lnTo>
-                <a:close/>
-              </a:path>
-            </a:pathLst>
-          </a:custGeom>
-          <a:solidFill>
-            <a:schemeClr val="accent1"/>
-          </a:solidFill>
-          <a:ln w="9525">
-            <a:solidFill>
-              <a:schemeClr val="tx1"/>
-            </a:solidFill>
-            <a:round/>
-            <a:headEnd/>
-            <a:tailEnd/>
-          </a:ln>
-        </p:spPr>
-        <p:txBody>
-          <a:bodyPr wrap="none" anchor="ctr"/>
-          <a:lstStyle/>
-          <a:p>
-            <a:endParaRPr lang="en-US"/>
-          </a:p>
-        </p:txBody>
-      </p:sp>
-      <p:sp>
-        <p:nvSpPr>
           <p:cNvPr id="61" name="Freeform 301">
             <a:extLst>
               <a:ext uri="{FF2B5EF4-FFF2-40B4-BE49-F238E27FC236}">
@@ -9414,6 +9312,437 @@
           </p:txBody>
         </p:sp>
       </p:grpSp>
+      <p:grpSp>
+        <p:nvGrpSpPr>
+          <p:cNvPr id="58" name="Group 13">
+            <a:extLst>
+              <a:ext uri="{FF2B5EF4-FFF2-40B4-BE49-F238E27FC236}">
+                <a16:creationId xmlns:a16="http://schemas.microsoft.com/office/drawing/2014/main" id="{060F0FB3-66C7-440C-BCEF-A1D5CCFC7C07}"/>
+              </a:ext>
+            </a:extLst>
+          </p:cNvPr>
+          <p:cNvGrpSpPr>
+            <a:grpSpLocks/>
+          </p:cNvGrpSpPr>
+          <p:nvPr/>
+        </p:nvGrpSpPr>
+        <p:grpSpPr bwMode="auto">
+          <a:xfrm flipH="1">
+            <a:off x="3608978" y="6387769"/>
+            <a:ext cx="402957" cy="1271588"/>
+            <a:chOff x="2901" y="4325"/>
+            <a:chExt cx="236" cy="690"/>
+          </a:xfrm>
+        </p:grpSpPr>
+        <p:sp>
+          <p:nvSpPr>
+            <p:cNvPr id="59" name="AutoShape 14">
+              <a:extLst>
+                <a:ext uri="{FF2B5EF4-FFF2-40B4-BE49-F238E27FC236}">
+                  <a16:creationId xmlns:a16="http://schemas.microsoft.com/office/drawing/2014/main" id="{1A5D0042-401A-4B0B-BBBD-133EAB279AEB}"/>
+                </a:ext>
+              </a:extLst>
+            </p:cNvPr>
+            <p:cNvSpPr>
+              <a:spLocks noChangeArrowheads="1"/>
+            </p:cNvSpPr>
+            <p:nvPr/>
+          </p:nvSpPr>
+          <p:spPr bwMode="auto">
+            <a:xfrm>
+              <a:off x="2901" y="4625"/>
+              <a:ext cx="236" cy="390"/>
+            </a:xfrm>
+            <a:prstGeom prst="can">
+              <a:avLst>
+                <a:gd name="adj" fmla="val 41314"/>
+              </a:avLst>
+            </a:prstGeom>
+            <a:solidFill>
+              <a:srgbClr val="73D9F1">
+                <a:alpha val="50195"/>
+              </a:srgbClr>
+            </a:solidFill>
+            <a:ln w="9525">
+              <a:solidFill>
+                <a:schemeClr val="tx1"/>
+              </a:solidFill>
+              <a:round/>
+              <a:headEnd/>
+              <a:tailEnd/>
+            </a:ln>
+          </p:spPr>
+          <p:txBody>
+            <a:bodyPr wrap="none" anchor="ctr"/>
+            <a:lstStyle>
+              <a:lvl1pPr eaLnBrk="0" hangingPunct="0">
+                <a:defRPr>
+                  <a:solidFill>
+                    <a:schemeClr val="tx1"/>
+                  </a:solidFill>
+                  <a:latin typeface="Arial" panose="020B0604020202020204" pitchFamily="34" charset="0"/>
+                  <a:ea typeface="ＭＳ Ｐゴシック" panose="020B0600070205080204" pitchFamily="34" charset="-128"/>
+                </a:defRPr>
+              </a:lvl1pPr>
+              <a:lvl2pPr marL="742950" indent="-285750" eaLnBrk="0" hangingPunct="0">
+                <a:defRPr>
+                  <a:solidFill>
+                    <a:schemeClr val="tx1"/>
+                  </a:solidFill>
+                  <a:latin typeface="Arial" panose="020B0604020202020204" pitchFamily="34" charset="0"/>
+                  <a:ea typeface="ＭＳ Ｐゴシック" panose="020B0600070205080204" pitchFamily="34" charset="-128"/>
+                </a:defRPr>
+              </a:lvl2pPr>
+              <a:lvl3pPr marL="1143000" indent="-228600" eaLnBrk="0" hangingPunct="0">
+                <a:defRPr>
+                  <a:solidFill>
+                    <a:schemeClr val="tx1"/>
+                  </a:solidFill>
+                  <a:latin typeface="Arial" panose="020B0604020202020204" pitchFamily="34" charset="0"/>
+                  <a:ea typeface="ＭＳ Ｐゴシック" panose="020B0600070205080204" pitchFamily="34" charset="-128"/>
+                </a:defRPr>
+              </a:lvl3pPr>
+              <a:lvl4pPr marL="1600200" indent="-228600" eaLnBrk="0" hangingPunct="0">
+                <a:defRPr>
+                  <a:solidFill>
+                    <a:schemeClr val="tx1"/>
+                  </a:solidFill>
+                  <a:latin typeface="Arial" panose="020B0604020202020204" pitchFamily="34" charset="0"/>
+                  <a:ea typeface="ＭＳ Ｐゴシック" panose="020B0600070205080204" pitchFamily="34" charset="-128"/>
+                </a:defRPr>
+              </a:lvl4pPr>
+              <a:lvl5pPr marL="2057400" indent="-228600" eaLnBrk="0" hangingPunct="0">
+                <a:defRPr>
+                  <a:solidFill>
+                    <a:schemeClr val="tx1"/>
+                  </a:solidFill>
+                  <a:latin typeface="Arial" panose="020B0604020202020204" pitchFamily="34" charset="0"/>
+                  <a:ea typeface="ＭＳ Ｐゴシック" panose="020B0600070205080204" pitchFamily="34" charset="-128"/>
+                </a:defRPr>
+              </a:lvl5pPr>
+              <a:lvl6pPr marL="2514600" indent="-228600" eaLnBrk="0" fontAlgn="base" hangingPunct="0">
+                <a:spcBef>
+                  <a:spcPct val="0"/>
+                </a:spcBef>
+                <a:spcAft>
+                  <a:spcPct val="0"/>
+                </a:spcAft>
+                <a:defRPr>
+                  <a:solidFill>
+                    <a:schemeClr val="tx1"/>
+                  </a:solidFill>
+                  <a:latin typeface="Arial" panose="020B0604020202020204" pitchFamily="34" charset="0"/>
+                  <a:ea typeface="ＭＳ Ｐゴシック" panose="020B0600070205080204" pitchFamily="34" charset="-128"/>
+                </a:defRPr>
+              </a:lvl6pPr>
+              <a:lvl7pPr marL="2971800" indent="-228600" eaLnBrk="0" fontAlgn="base" hangingPunct="0">
+                <a:spcBef>
+                  <a:spcPct val="0"/>
+                </a:spcBef>
+                <a:spcAft>
+                  <a:spcPct val="0"/>
+                </a:spcAft>
+                <a:defRPr>
+                  <a:solidFill>
+                    <a:schemeClr val="tx1"/>
+                  </a:solidFill>
+                  <a:latin typeface="Arial" panose="020B0604020202020204" pitchFamily="34" charset="0"/>
+                  <a:ea typeface="ＭＳ Ｐゴシック" panose="020B0600070205080204" pitchFamily="34" charset="-128"/>
+                </a:defRPr>
+              </a:lvl7pPr>
+              <a:lvl8pPr marL="3429000" indent="-228600" eaLnBrk="0" fontAlgn="base" hangingPunct="0">
+                <a:spcBef>
+                  <a:spcPct val="0"/>
+                </a:spcBef>
+                <a:spcAft>
+                  <a:spcPct val="0"/>
+                </a:spcAft>
+                <a:defRPr>
+                  <a:solidFill>
+                    <a:schemeClr val="tx1"/>
+                  </a:solidFill>
+                  <a:latin typeface="Arial" panose="020B0604020202020204" pitchFamily="34" charset="0"/>
+                  <a:ea typeface="ＭＳ Ｐゴシック" panose="020B0600070205080204" pitchFamily="34" charset="-128"/>
+                </a:defRPr>
+              </a:lvl8pPr>
+              <a:lvl9pPr marL="3886200" indent="-228600" eaLnBrk="0" fontAlgn="base" hangingPunct="0">
+                <a:spcBef>
+                  <a:spcPct val="0"/>
+                </a:spcBef>
+                <a:spcAft>
+                  <a:spcPct val="0"/>
+                </a:spcAft>
+                <a:defRPr>
+                  <a:solidFill>
+                    <a:schemeClr val="tx1"/>
+                  </a:solidFill>
+                  <a:latin typeface="Arial" panose="020B0604020202020204" pitchFamily="34" charset="0"/>
+                  <a:ea typeface="ＭＳ Ｐゴシック" panose="020B0600070205080204" pitchFamily="34" charset="-128"/>
+                </a:defRPr>
+              </a:lvl9pPr>
+            </a:lstStyle>
+            <a:p>
+              <a:pPr eaLnBrk="1" hangingPunct="1"/>
+              <a:endParaRPr lang="en-US" altLang="en-US"/>
+            </a:p>
+          </p:txBody>
+        </p:sp>
+        <p:sp>
+          <p:nvSpPr>
+            <p:cNvPr id="64" name="AutoShape 15">
+              <a:extLst>
+                <a:ext uri="{FF2B5EF4-FFF2-40B4-BE49-F238E27FC236}">
+                  <a16:creationId xmlns:a16="http://schemas.microsoft.com/office/drawing/2014/main" id="{16BBE824-FB7C-4ACD-9F7A-CBC3EF86E291}"/>
+                </a:ext>
+              </a:extLst>
+            </p:cNvPr>
+            <p:cNvSpPr>
+              <a:spLocks noChangeArrowheads="1"/>
+            </p:cNvSpPr>
+            <p:nvPr/>
+          </p:nvSpPr>
+          <p:spPr bwMode="auto">
+            <a:xfrm>
+              <a:off x="2901" y="4325"/>
+              <a:ext cx="236" cy="390"/>
+            </a:xfrm>
+            <a:prstGeom prst="can">
+              <a:avLst>
+                <a:gd name="adj" fmla="val 41314"/>
+              </a:avLst>
+            </a:prstGeom>
+            <a:solidFill>
+              <a:srgbClr val="73D9F1">
+                <a:alpha val="50195"/>
+              </a:srgbClr>
+            </a:solidFill>
+            <a:ln w="9525">
+              <a:solidFill>
+                <a:schemeClr val="tx1"/>
+              </a:solidFill>
+              <a:round/>
+              <a:headEnd/>
+              <a:tailEnd/>
+            </a:ln>
+          </p:spPr>
+          <p:txBody>
+            <a:bodyPr wrap="none" anchor="ctr"/>
+            <a:lstStyle>
+              <a:lvl1pPr eaLnBrk="0" hangingPunct="0">
+                <a:defRPr>
+                  <a:solidFill>
+                    <a:schemeClr val="tx1"/>
+                  </a:solidFill>
+                  <a:latin typeface="Arial" panose="020B0604020202020204" pitchFamily="34" charset="0"/>
+                  <a:ea typeface="ＭＳ Ｐゴシック" panose="020B0600070205080204" pitchFamily="34" charset="-128"/>
+                </a:defRPr>
+              </a:lvl1pPr>
+              <a:lvl2pPr marL="742950" indent="-285750" eaLnBrk="0" hangingPunct="0">
+                <a:defRPr>
+                  <a:solidFill>
+                    <a:schemeClr val="tx1"/>
+                  </a:solidFill>
+                  <a:latin typeface="Arial" panose="020B0604020202020204" pitchFamily="34" charset="0"/>
+                  <a:ea typeface="ＭＳ Ｐゴシック" panose="020B0600070205080204" pitchFamily="34" charset="-128"/>
+                </a:defRPr>
+              </a:lvl2pPr>
+              <a:lvl3pPr marL="1143000" indent="-228600" eaLnBrk="0" hangingPunct="0">
+                <a:defRPr>
+                  <a:solidFill>
+                    <a:schemeClr val="tx1"/>
+                  </a:solidFill>
+                  <a:latin typeface="Arial" panose="020B0604020202020204" pitchFamily="34" charset="0"/>
+                  <a:ea typeface="ＭＳ Ｐゴシック" panose="020B0600070205080204" pitchFamily="34" charset="-128"/>
+                </a:defRPr>
+              </a:lvl3pPr>
+              <a:lvl4pPr marL="1600200" indent="-228600" eaLnBrk="0" hangingPunct="0">
+                <a:defRPr>
+                  <a:solidFill>
+                    <a:schemeClr val="tx1"/>
+                  </a:solidFill>
+                  <a:latin typeface="Arial" panose="020B0604020202020204" pitchFamily="34" charset="0"/>
+                  <a:ea typeface="ＭＳ Ｐゴシック" panose="020B0600070205080204" pitchFamily="34" charset="-128"/>
+                </a:defRPr>
+              </a:lvl4pPr>
+              <a:lvl5pPr marL="2057400" indent="-228600" eaLnBrk="0" hangingPunct="0">
+                <a:defRPr>
+                  <a:solidFill>
+                    <a:schemeClr val="tx1"/>
+                  </a:solidFill>
+                  <a:latin typeface="Arial" panose="020B0604020202020204" pitchFamily="34" charset="0"/>
+                  <a:ea typeface="ＭＳ Ｐゴシック" panose="020B0600070205080204" pitchFamily="34" charset="-128"/>
+                </a:defRPr>
+              </a:lvl5pPr>
+              <a:lvl6pPr marL="2514600" indent="-228600" eaLnBrk="0" fontAlgn="base" hangingPunct="0">
+                <a:spcBef>
+                  <a:spcPct val="0"/>
+                </a:spcBef>
+                <a:spcAft>
+                  <a:spcPct val="0"/>
+                </a:spcAft>
+                <a:defRPr>
+                  <a:solidFill>
+                    <a:schemeClr val="tx1"/>
+                  </a:solidFill>
+                  <a:latin typeface="Arial" panose="020B0604020202020204" pitchFamily="34" charset="0"/>
+                  <a:ea typeface="ＭＳ Ｐゴシック" panose="020B0600070205080204" pitchFamily="34" charset="-128"/>
+                </a:defRPr>
+              </a:lvl6pPr>
+              <a:lvl7pPr marL="2971800" indent="-228600" eaLnBrk="0" fontAlgn="base" hangingPunct="0">
+                <a:spcBef>
+                  <a:spcPct val="0"/>
+                </a:spcBef>
+                <a:spcAft>
+                  <a:spcPct val="0"/>
+                </a:spcAft>
+                <a:defRPr>
+                  <a:solidFill>
+                    <a:schemeClr val="tx1"/>
+                  </a:solidFill>
+                  <a:latin typeface="Arial" panose="020B0604020202020204" pitchFamily="34" charset="0"/>
+                  <a:ea typeface="ＭＳ Ｐゴシック" panose="020B0600070205080204" pitchFamily="34" charset="-128"/>
+                </a:defRPr>
+              </a:lvl7pPr>
+              <a:lvl8pPr marL="3429000" indent="-228600" eaLnBrk="0" fontAlgn="base" hangingPunct="0">
+                <a:spcBef>
+                  <a:spcPct val="0"/>
+                </a:spcBef>
+                <a:spcAft>
+                  <a:spcPct val="0"/>
+                </a:spcAft>
+                <a:defRPr>
+                  <a:solidFill>
+                    <a:schemeClr val="tx1"/>
+                  </a:solidFill>
+                  <a:latin typeface="Arial" panose="020B0604020202020204" pitchFamily="34" charset="0"/>
+                  <a:ea typeface="ＭＳ Ｐゴシック" panose="020B0600070205080204" pitchFamily="34" charset="-128"/>
+                </a:defRPr>
+              </a:lvl8pPr>
+              <a:lvl9pPr marL="3886200" indent="-228600" eaLnBrk="0" fontAlgn="base" hangingPunct="0">
+                <a:spcBef>
+                  <a:spcPct val="0"/>
+                </a:spcBef>
+                <a:spcAft>
+                  <a:spcPct val="0"/>
+                </a:spcAft>
+                <a:defRPr>
+                  <a:solidFill>
+                    <a:schemeClr val="tx1"/>
+                  </a:solidFill>
+                  <a:latin typeface="Arial" panose="020B0604020202020204" pitchFamily="34" charset="0"/>
+                  <a:ea typeface="ＭＳ Ｐゴシック" panose="020B0600070205080204" pitchFamily="34" charset="-128"/>
+                </a:defRPr>
+              </a:lvl9pPr>
+            </a:lstStyle>
+            <a:p>
+              <a:pPr eaLnBrk="1" hangingPunct="1"/>
+              <a:endParaRPr lang="en-US" altLang="en-US"/>
+            </a:p>
+          </p:txBody>
+        </p:sp>
+      </p:grpSp>
+      <p:sp>
+        <p:nvSpPr>
+          <p:cNvPr id="60" name="Freeform 301">
+            <a:extLst>
+              <a:ext uri="{FF2B5EF4-FFF2-40B4-BE49-F238E27FC236}">
+                <a16:creationId xmlns:a16="http://schemas.microsoft.com/office/drawing/2014/main" id="{DAC62AED-E678-F649-AA86-C87D92FFE6C1}"/>
+              </a:ext>
+            </a:extLst>
+          </p:cNvPr>
+          <p:cNvSpPr>
+            <a:spLocks/>
+          </p:cNvSpPr>
+          <p:nvPr/>
+        </p:nvSpPr>
+        <p:spPr bwMode="auto">
+          <a:xfrm>
+            <a:off x="3576077" y="7107155"/>
+            <a:ext cx="560643" cy="1386485"/>
+          </a:xfrm>
+          <a:custGeom>
+            <a:avLst/>
+            <a:gdLst>
+              <a:gd name="T0" fmla="*/ 0 w 240"/>
+              <a:gd name="T1" fmla="*/ 231401 h 840"/>
+              <a:gd name="T2" fmla="*/ 75637390 w 240"/>
+              <a:gd name="T3" fmla="*/ 404798 h 840"/>
+              <a:gd name="T4" fmla="*/ 75637390 w 240"/>
+              <a:gd name="T5" fmla="*/ 57599 h 840"/>
+              <a:gd name="T6" fmla="*/ 0 w 240"/>
+              <a:gd name="T7" fmla="*/ 0 h 840"/>
+              <a:gd name="T8" fmla="*/ 0 w 240"/>
+              <a:gd name="T9" fmla="*/ 231401 h 840"/>
+              <a:gd name="T10" fmla="*/ 0 60000 65536"/>
+              <a:gd name="T11" fmla="*/ 0 60000 65536"/>
+              <a:gd name="T12" fmla="*/ 0 60000 65536"/>
+              <a:gd name="T13" fmla="*/ 0 60000 65536"/>
+              <a:gd name="T14" fmla="*/ 0 60000 65536"/>
+              <a:gd name="T15" fmla="*/ 0 w 240"/>
+              <a:gd name="T16" fmla="*/ 0 h 840"/>
+              <a:gd name="T17" fmla="*/ 240 w 240"/>
+              <a:gd name="T18" fmla="*/ 840 h 840"/>
+            </a:gdLst>
+            <a:ahLst/>
+            <a:cxnLst>
+              <a:cxn ang="T10">
+                <a:pos x="T0" y="T1"/>
+              </a:cxn>
+              <a:cxn ang="T11">
+                <a:pos x="T2" y="T3"/>
+              </a:cxn>
+              <a:cxn ang="T12">
+                <a:pos x="T4" y="T5"/>
+              </a:cxn>
+              <a:cxn ang="T13">
+                <a:pos x="T6" y="T7"/>
+              </a:cxn>
+              <a:cxn ang="T14">
+                <a:pos x="T8" y="T9"/>
+              </a:cxn>
+            </a:cxnLst>
+            <a:rect l="T15" t="T16" r="T17" b="T18"/>
+            <a:pathLst>
+              <a:path w="240" h="840">
+                <a:moveTo>
+                  <a:pt x="0" y="480"/>
+                </a:moveTo>
+                <a:lnTo>
+                  <a:pt x="240" y="840"/>
+                </a:lnTo>
+                <a:lnTo>
+                  <a:pt x="240" y="120"/>
+                </a:lnTo>
+                <a:lnTo>
+                  <a:pt x="0" y="0"/>
+                </a:lnTo>
+                <a:lnTo>
+                  <a:pt x="0" y="480"/>
+                </a:lnTo>
+                <a:close/>
+              </a:path>
+            </a:pathLst>
+          </a:custGeom>
+          <a:solidFill>
+            <a:schemeClr val="accent1"/>
+          </a:solidFill>
+          <a:ln w="9525">
+            <a:solidFill>
+              <a:schemeClr val="tx1"/>
+            </a:solidFill>
+            <a:round/>
+            <a:headEnd/>
+            <a:tailEnd/>
+          </a:ln>
+        </p:spPr>
+        <p:txBody>
+          <a:bodyPr wrap="none" anchor="ctr"/>
+          <a:lstStyle/>
+          <a:p>
+            <a:endParaRPr lang="en-US"/>
+          </a:p>
+        </p:txBody>
+      </p:sp>
     </p:spTree>
   </p:cSld>
   <p:clrMapOvr>
